--- a/ppt/基础篇_ppt/torch的基本操作.pptx
+++ b/ppt/基础篇_ppt/torch的基本操作.pptx
@@ -182,319 +182,6 @@
 
 <file path=ppt/changesInfos/changesInfo1.xml><?xml version="1.0" encoding="utf-8"?>
 <pc:chgInfo xmlns:a="http://schemas.openxmlformats.org/drawingml/2006/main" xmlns:r="http://schemas.openxmlformats.org/officeDocument/2006/relationships" xmlns:ac="http://schemas.microsoft.com/office/drawing/2013/main/command" xmlns:pc="http://schemas.microsoft.com/office/powerpoint/2013/main/command">
-  <pc:docChgLst>
-    <pc:chgData name="hobart_work@hotmail.com" userId="7fa886ffcb1cbc9d" providerId="LiveId" clId="{4CE84D45-DAE6-9B48-A8B6-10500A565456}"/>
-    <pc:docChg chg="undo custSel mod addSld delSld modSld">
-      <pc:chgData name="hobart_work@hotmail.com" userId="7fa886ffcb1cbc9d" providerId="LiveId" clId="{4CE84D45-DAE6-9B48-A8B6-10500A565456}" dt="2019-08-16T09:53:05.779" v="935"/>
-      <pc:docMkLst>
-        <pc:docMk/>
-      </pc:docMkLst>
-      <pc:sldChg chg="addSp delSp modSp delAnim">
-        <pc:chgData name="hobart_work@hotmail.com" userId="7fa886ffcb1cbc9d" providerId="LiveId" clId="{4CE84D45-DAE6-9B48-A8B6-10500A565456}" dt="2019-08-16T09:49:35.705" v="927" actId="1076"/>
-        <pc:sldMkLst>
-          <pc:docMk/>
-          <pc:sldMk cId="0" sldId="297"/>
-        </pc:sldMkLst>
-        <pc:spChg chg="add mod">
-          <ac:chgData name="hobart_work@hotmail.com" userId="7fa886ffcb1cbc9d" providerId="LiveId" clId="{4CE84D45-DAE6-9B48-A8B6-10500A565456}" dt="2019-08-16T09:49:35.705" v="927" actId="1076"/>
-          <ac:spMkLst>
-            <pc:docMk/>
-            <pc:sldMk cId="0" sldId="297"/>
-            <ac:spMk id="7" creationId="{700242B9-EF69-0440-9D2E-5CE9E6C96272}"/>
-          </ac:spMkLst>
-        </pc:spChg>
-        <pc:spChg chg="add mod">
-          <ac:chgData name="hobart_work@hotmail.com" userId="7fa886ffcb1cbc9d" providerId="LiveId" clId="{4CE84D45-DAE6-9B48-A8B6-10500A565456}" dt="2019-08-16T09:49:28.506" v="926" actId="1076"/>
-          <ac:spMkLst>
-            <pc:docMk/>
-            <pc:sldMk cId="0" sldId="297"/>
-            <ac:spMk id="34" creationId="{1B89FBBF-E24C-CC4B-AB96-E736A408CA9B}"/>
-          </ac:spMkLst>
-        </pc:spChg>
-        <pc:spChg chg="add mod">
-          <ac:chgData name="hobart_work@hotmail.com" userId="7fa886ffcb1cbc9d" providerId="LiveId" clId="{4CE84D45-DAE6-9B48-A8B6-10500A565456}" dt="2019-08-16T09:49:28.506" v="926" actId="1076"/>
-          <ac:spMkLst>
-            <pc:docMk/>
-            <pc:sldMk cId="0" sldId="297"/>
-            <ac:spMk id="36" creationId="{0CCF53D0-30AB-0E4B-AB08-46375DF352ED}"/>
-          </ac:spMkLst>
-        </pc:spChg>
-        <pc:spChg chg="add mod">
-          <ac:chgData name="hobart_work@hotmail.com" userId="7fa886ffcb1cbc9d" providerId="LiveId" clId="{4CE84D45-DAE6-9B48-A8B6-10500A565456}" dt="2019-08-16T09:49:35.705" v="927" actId="1076"/>
-          <ac:spMkLst>
-            <pc:docMk/>
-            <pc:sldMk cId="0" sldId="297"/>
-            <ac:spMk id="37" creationId="{66981774-236E-2C4B-B8A5-0056B3E28E49}"/>
-          </ac:spMkLst>
-        </pc:spChg>
-        <pc:spChg chg="mod">
-          <ac:chgData name="hobart_work@hotmail.com" userId="7fa886ffcb1cbc9d" providerId="LiveId" clId="{4CE84D45-DAE6-9B48-A8B6-10500A565456}" dt="2019-08-16T09:49:28.506" v="926" actId="1076"/>
-          <ac:spMkLst>
-            <pc:docMk/>
-            <pc:sldMk cId="0" sldId="297"/>
-            <ac:spMk id="43" creationId="{00000000-0000-0000-0000-000000000000}"/>
-          </ac:spMkLst>
-        </pc:spChg>
-        <pc:spChg chg="del">
-          <ac:chgData name="hobart_work@hotmail.com" userId="7fa886ffcb1cbc9d" providerId="LiveId" clId="{4CE84D45-DAE6-9B48-A8B6-10500A565456}" dt="2019-08-14T02:59:15.307" v="8" actId="478"/>
-          <ac:spMkLst>
-            <pc:docMk/>
-            <pc:sldMk cId="0" sldId="297"/>
-            <ac:spMk id="50" creationId="{00000000-0000-0000-0000-000000000000}"/>
-          </ac:spMkLst>
-        </pc:spChg>
-        <pc:spChg chg="del">
-          <ac:chgData name="hobart_work@hotmail.com" userId="7fa886ffcb1cbc9d" providerId="LiveId" clId="{4CE84D45-DAE6-9B48-A8B6-10500A565456}" dt="2019-08-14T02:59:07.591" v="5" actId="478"/>
-          <ac:spMkLst>
-            <pc:docMk/>
-            <pc:sldMk cId="0" sldId="297"/>
-            <ac:spMk id="60" creationId="{00000000-0000-0000-0000-000000000000}"/>
-          </ac:spMkLst>
-        </pc:spChg>
-        <pc:spChg chg="del">
-          <ac:chgData name="hobart_work@hotmail.com" userId="7fa886ffcb1cbc9d" providerId="LiveId" clId="{4CE84D45-DAE6-9B48-A8B6-10500A565456}" dt="2019-08-14T02:59:07.591" v="5" actId="478"/>
-          <ac:spMkLst>
-            <pc:docMk/>
-            <pc:sldMk cId="0" sldId="297"/>
-            <ac:spMk id="67" creationId="{00000000-0000-0000-0000-000000000000}"/>
-          </ac:spMkLst>
-        </pc:spChg>
-        <pc:spChg chg="del mod">
-          <ac:chgData name="hobart_work@hotmail.com" userId="7fa886ffcb1cbc9d" providerId="LiveId" clId="{4CE84D45-DAE6-9B48-A8B6-10500A565456}" dt="2019-08-14T02:59:15.307" v="8" actId="478"/>
-          <ac:spMkLst>
-            <pc:docMk/>
-            <pc:sldMk cId="0" sldId="297"/>
-            <ac:spMk id="78" creationId="{00000000-0000-0000-0000-000000000000}"/>
-          </ac:spMkLst>
-        </pc:spChg>
-        <pc:spChg chg="del">
-          <ac:chgData name="hobart_work@hotmail.com" userId="7fa886ffcb1cbc9d" providerId="LiveId" clId="{4CE84D45-DAE6-9B48-A8B6-10500A565456}" dt="2019-08-14T02:59:07.591" v="5" actId="478"/>
-          <ac:spMkLst>
-            <pc:docMk/>
-            <pc:sldMk cId="0" sldId="297"/>
-            <ac:spMk id="79" creationId="{00000000-0000-0000-0000-000000000000}"/>
-          </ac:spMkLst>
-        </pc:spChg>
-        <pc:spChg chg="del">
-          <ac:chgData name="hobart_work@hotmail.com" userId="7fa886ffcb1cbc9d" providerId="LiveId" clId="{4CE84D45-DAE6-9B48-A8B6-10500A565456}" dt="2019-08-14T02:59:07.591" v="5" actId="478"/>
-          <ac:spMkLst>
-            <pc:docMk/>
-            <pc:sldMk cId="0" sldId="297"/>
-            <ac:spMk id="92" creationId="{00000000-0000-0000-0000-000000000000}"/>
-          </ac:spMkLst>
-        </pc:spChg>
-        <pc:spChg chg="del">
-          <ac:chgData name="hobart_work@hotmail.com" userId="7fa886ffcb1cbc9d" providerId="LiveId" clId="{4CE84D45-DAE6-9B48-A8B6-10500A565456}" dt="2019-08-14T02:59:07.591" v="5" actId="478"/>
-          <ac:spMkLst>
-            <pc:docMk/>
-            <pc:sldMk cId="0" sldId="297"/>
-            <ac:spMk id="93" creationId="{00000000-0000-0000-0000-000000000000}"/>
-          </ac:spMkLst>
-        </pc:spChg>
-        <pc:spChg chg="del">
-          <ac:chgData name="hobart_work@hotmail.com" userId="7fa886ffcb1cbc9d" providerId="LiveId" clId="{4CE84D45-DAE6-9B48-A8B6-10500A565456}" dt="2019-08-14T02:59:07.591" v="5" actId="478"/>
-          <ac:spMkLst>
-            <pc:docMk/>
-            <pc:sldMk cId="0" sldId="297"/>
-            <ac:spMk id="99" creationId="{00000000-0000-0000-0000-000000000000}"/>
-          </ac:spMkLst>
-        </pc:spChg>
-        <pc:spChg chg="del">
-          <ac:chgData name="hobart_work@hotmail.com" userId="7fa886ffcb1cbc9d" providerId="LiveId" clId="{4CE84D45-DAE6-9B48-A8B6-10500A565456}" dt="2019-08-14T02:59:07.591" v="5" actId="478"/>
-          <ac:spMkLst>
-            <pc:docMk/>
-            <pc:sldMk cId="0" sldId="297"/>
-            <ac:spMk id="100" creationId="{00000000-0000-0000-0000-000000000000}"/>
-          </ac:spMkLst>
-        </pc:spChg>
-        <pc:grpChg chg="del">
-          <ac:chgData name="hobart_work@hotmail.com" userId="7fa886ffcb1cbc9d" providerId="LiveId" clId="{4CE84D45-DAE6-9B48-A8B6-10500A565456}" dt="2019-08-14T02:59:07.591" v="5" actId="478"/>
-          <ac:grpSpMkLst>
-            <pc:docMk/>
-            <pc:sldMk cId="0" sldId="297"/>
-            <ac:grpSpMk id="51" creationId="{00000000-0000-0000-0000-000000000000}"/>
-          </ac:grpSpMkLst>
-        </pc:grpChg>
-        <pc:grpChg chg="del">
-          <ac:chgData name="hobart_work@hotmail.com" userId="7fa886ffcb1cbc9d" providerId="LiveId" clId="{4CE84D45-DAE6-9B48-A8B6-10500A565456}" dt="2019-08-14T02:59:07.591" v="5" actId="478"/>
-          <ac:grpSpMkLst>
-            <pc:docMk/>
-            <pc:sldMk cId="0" sldId="297"/>
-            <ac:grpSpMk id="57" creationId="{00000000-0000-0000-0000-000000000000}"/>
-          </ac:grpSpMkLst>
-        </pc:grpChg>
-        <pc:grpChg chg="del">
-          <ac:chgData name="hobart_work@hotmail.com" userId="7fa886ffcb1cbc9d" providerId="LiveId" clId="{4CE84D45-DAE6-9B48-A8B6-10500A565456}" dt="2019-08-14T02:59:07.591" v="5" actId="478"/>
-          <ac:grpSpMkLst>
-            <pc:docMk/>
-            <pc:sldMk cId="0" sldId="297"/>
-            <ac:grpSpMk id="75" creationId="{00000000-0000-0000-0000-000000000000}"/>
-          </ac:grpSpMkLst>
-        </pc:grpChg>
-        <pc:grpChg chg="del">
-          <ac:chgData name="hobart_work@hotmail.com" userId="7fa886ffcb1cbc9d" providerId="LiveId" clId="{4CE84D45-DAE6-9B48-A8B6-10500A565456}" dt="2019-08-14T02:59:07.591" v="5" actId="478"/>
-          <ac:grpSpMkLst>
-            <pc:docMk/>
-            <pc:sldMk cId="0" sldId="297"/>
-            <ac:grpSpMk id="83" creationId="{00000000-0000-0000-0000-000000000000}"/>
-          </ac:grpSpMkLst>
-        </pc:grpChg>
-        <pc:grpChg chg="del">
-          <ac:chgData name="hobart_work@hotmail.com" userId="7fa886ffcb1cbc9d" providerId="LiveId" clId="{4CE84D45-DAE6-9B48-A8B6-10500A565456}" dt="2019-08-14T02:59:07.591" v="5" actId="478"/>
-          <ac:grpSpMkLst>
-            <pc:docMk/>
-            <pc:sldMk cId="0" sldId="297"/>
-            <ac:grpSpMk id="86" creationId="{00000000-0000-0000-0000-000000000000}"/>
-          </ac:grpSpMkLst>
-        </pc:grpChg>
-        <pc:grpChg chg="del">
-          <ac:chgData name="hobart_work@hotmail.com" userId="7fa886ffcb1cbc9d" providerId="LiveId" clId="{4CE84D45-DAE6-9B48-A8B6-10500A565456}" dt="2019-08-14T02:59:07.591" v="5" actId="478"/>
-          <ac:grpSpMkLst>
-            <pc:docMk/>
-            <pc:sldMk cId="0" sldId="297"/>
-            <ac:grpSpMk id="89" creationId="{00000000-0000-0000-0000-000000000000}"/>
-          </ac:grpSpMkLst>
-        </pc:grpChg>
-        <pc:grpChg chg="del">
-          <ac:chgData name="hobart_work@hotmail.com" userId="7fa886ffcb1cbc9d" providerId="LiveId" clId="{4CE84D45-DAE6-9B48-A8B6-10500A565456}" dt="2019-08-14T02:59:07.591" v="5" actId="478"/>
-          <ac:grpSpMkLst>
-            <pc:docMk/>
-            <pc:sldMk cId="0" sldId="297"/>
-            <ac:grpSpMk id="95" creationId="{00000000-0000-0000-0000-000000000000}"/>
-          </ac:grpSpMkLst>
-        </pc:grpChg>
-        <pc:cxnChg chg="add mod">
-          <ac:chgData name="hobart_work@hotmail.com" userId="7fa886ffcb1cbc9d" providerId="LiveId" clId="{4CE84D45-DAE6-9B48-A8B6-10500A565456}" dt="2019-08-16T09:49:28.506" v="926" actId="1076"/>
-          <ac:cxnSpMkLst>
-            <pc:docMk/>
-            <pc:sldMk cId="0" sldId="297"/>
-            <ac:cxnSpMk id="35" creationId="{F44FD703-BC1F-7A4C-9925-0C023C831AD2}"/>
-          </ac:cxnSpMkLst>
-        </pc:cxnChg>
-        <pc:cxnChg chg="del mod">
-          <ac:chgData name="hobart_work@hotmail.com" userId="7fa886ffcb1cbc9d" providerId="LiveId" clId="{4CE84D45-DAE6-9B48-A8B6-10500A565456}" dt="2019-08-14T02:59:50.163" v="11" actId="478"/>
-          <ac:cxnSpMkLst>
-            <pc:docMk/>
-            <pc:sldMk cId="0" sldId="297"/>
-            <ac:cxnSpMk id="61" creationId="{00000000-0000-0000-0000-000000000000}"/>
-          </ac:cxnSpMkLst>
-        </pc:cxnChg>
-      </pc:sldChg>
-      <pc:sldChg chg="addSp delSp modSp delAnim">
-        <pc:chgData name="hobart_work@hotmail.com" userId="7fa886ffcb1cbc9d" providerId="LiveId" clId="{4CE84D45-DAE6-9B48-A8B6-10500A565456}" dt="2019-08-14T03:28:27.963" v="583" actId="1076"/>
-        <pc:sldMkLst>
-          <pc:docMk/>
-          <pc:sldMk cId="0" sldId="425"/>
-        </pc:sldMkLst>
-        <pc:spChg chg="add mod">
-          <ac:chgData name="hobart_work@hotmail.com" userId="7fa886ffcb1cbc9d" providerId="LiveId" clId="{4CE84D45-DAE6-9B48-A8B6-10500A565456}" dt="2019-08-14T03:28:27.963" v="583" actId="1076"/>
-          <ac:spMkLst>
-            <pc:docMk/>
-            <pc:sldMk cId="0" sldId="425"/>
-            <ac:spMk id="2" creationId="{FFDB8C6D-06DC-6A49-89EE-C746E9694A9B}"/>
-          </ac:spMkLst>
-        </pc:spChg>
-        <pc:spChg chg="add mod">
-          <ac:chgData name="hobart_work@hotmail.com" userId="7fa886ffcb1cbc9d" providerId="LiveId" clId="{4CE84D45-DAE6-9B48-A8B6-10500A565456}" dt="2019-08-14T03:28:27.963" v="583" actId="1076"/>
-          <ac:spMkLst>
-            <pc:docMk/>
-            <pc:sldMk cId="0" sldId="425"/>
-            <ac:spMk id="3" creationId="{BDB06619-0904-4944-9F76-47249817F8CB}"/>
-          </ac:spMkLst>
-        </pc:spChg>
-        <pc:spChg chg="add del mod">
-          <ac:chgData name="hobart_work@hotmail.com" userId="7fa886ffcb1cbc9d" providerId="LiveId" clId="{4CE84D45-DAE6-9B48-A8B6-10500A565456}" dt="2019-08-14T03:12:05.485" v="145" actId="11529"/>
-          <ac:spMkLst>
-            <pc:docMk/>
-            <pc:sldMk cId="0" sldId="425"/>
-            <ac:spMk id="4" creationId="{F42057FF-C5CE-484C-90B1-C262C3EB615B}"/>
-          </ac:spMkLst>
-        </pc:spChg>
-        <pc:spChg chg="add mod">
-          <ac:chgData name="hobart_work@hotmail.com" userId="7fa886ffcb1cbc9d" providerId="LiveId" clId="{4CE84D45-DAE6-9B48-A8B6-10500A565456}" dt="2019-08-14T03:28:27.963" v="583" actId="1076"/>
-          <ac:spMkLst>
-            <pc:docMk/>
-            <pc:sldMk cId="0" sldId="425"/>
-            <ac:spMk id="5" creationId="{10CEEDCD-8E1B-B84C-AB02-F13A153A8F67}"/>
-          </ac:spMkLst>
-        </pc:spChg>
-        <pc:spChg chg="del">
-          <ac:chgData name="hobart_work@hotmail.com" userId="7fa886ffcb1cbc9d" providerId="LiveId" clId="{4CE84D45-DAE6-9B48-A8B6-10500A565456}" dt="2019-08-14T03:03:48.727" v="104" actId="478"/>
-          <ac:spMkLst>
-            <pc:docMk/>
-            <pc:sldMk cId="0" sldId="425"/>
-            <ac:spMk id="94" creationId="{00000000-0000-0000-0000-000000000000}"/>
-          </ac:spMkLst>
-        </pc:spChg>
-        <pc:grpChg chg="del mod">
-          <ac:chgData name="hobart_work@hotmail.com" userId="7fa886ffcb1cbc9d" providerId="LiveId" clId="{4CE84D45-DAE6-9B48-A8B6-10500A565456}" dt="2019-08-14T03:03:48.727" v="104" actId="478"/>
-          <ac:grpSpMkLst>
-            <pc:docMk/>
-            <pc:sldMk cId="0" sldId="425"/>
-            <ac:grpSpMk id="6" creationId="{00000000-0000-0000-0000-000000000000}"/>
-          </ac:grpSpMkLst>
-        </pc:grpChg>
-        <pc:cxnChg chg="del">
-          <ac:chgData name="hobart_work@hotmail.com" userId="7fa886ffcb1cbc9d" providerId="LiveId" clId="{4CE84D45-DAE6-9B48-A8B6-10500A565456}" dt="2019-08-14T03:03:48.727" v="104" actId="478"/>
-          <ac:cxnSpMkLst>
-            <pc:docMk/>
-            <pc:sldMk cId="0" sldId="425"/>
-            <ac:cxnSpMk id="38" creationId="{00000000-0000-0000-0000-000000000000}"/>
-          </ac:cxnSpMkLst>
-        </pc:cxnChg>
-      </pc:sldChg>
-      <pc:sldChg chg="addSp delSp modSp add">
-        <pc:chgData name="hobart_work@hotmail.com" userId="7fa886ffcb1cbc9d" providerId="LiveId" clId="{4CE84D45-DAE6-9B48-A8B6-10500A565456}" dt="2019-08-16T09:53:05.779" v="935"/>
-        <pc:sldMkLst>
-          <pc:docMk/>
-          <pc:sldMk cId="3066769402" sldId="432"/>
-        </pc:sldMkLst>
-        <pc:spChg chg="add mod">
-          <ac:chgData name="hobart_work@hotmail.com" userId="7fa886ffcb1cbc9d" providerId="LiveId" clId="{4CE84D45-DAE6-9B48-A8B6-10500A565456}" dt="2019-08-16T09:45:48.412" v="833" actId="1076"/>
-          <ac:spMkLst>
-            <pc:docMk/>
-            <pc:sldMk cId="3066769402" sldId="432"/>
-            <ac:spMk id="5" creationId="{DCD34761-01D4-3746-8938-1D2D0ECED575}"/>
-          </ac:spMkLst>
-        </pc:spChg>
-        <pc:spChg chg="add mod">
-          <ac:chgData name="hobart_work@hotmail.com" userId="7fa886ffcb1cbc9d" providerId="LiveId" clId="{4CE84D45-DAE6-9B48-A8B6-10500A565456}" dt="2019-08-16T09:47:33.294" v="866" actId="1076"/>
-          <ac:spMkLst>
-            <pc:docMk/>
-            <pc:sldMk cId="3066769402" sldId="432"/>
-            <ac:spMk id="6" creationId="{DCF68AB3-1CCC-7D42-B8FB-6AB5CFE33C5A}"/>
-          </ac:spMkLst>
-        </pc:spChg>
-        <pc:picChg chg="add del mod">
-          <ac:chgData name="hobart_work@hotmail.com" userId="7fa886ffcb1cbc9d" providerId="LiveId" clId="{4CE84D45-DAE6-9B48-A8B6-10500A565456}" dt="2019-08-16T09:53:05.779" v="935"/>
-          <ac:picMkLst>
-            <pc:docMk/>
-            <pc:sldMk cId="3066769402" sldId="432"/>
-            <ac:picMk id="2" creationId="{F25300B4-3CB5-074D-B7B8-53D562DAC50C}"/>
-          </ac:picMkLst>
-        </pc:picChg>
-        <pc:picChg chg="del">
-          <ac:chgData name="hobart_work@hotmail.com" userId="7fa886ffcb1cbc9d" providerId="LiveId" clId="{4CE84D45-DAE6-9B48-A8B6-10500A565456}" dt="2019-08-16T09:39:18.469" v="829" actId="478"/>
-          <ac:picMkLst>
-            <pc:docMk/>
-            <pc:sldMk cId="3066769402" sldId="432"/>
-            <ac:picMk id="3" creationId="{9AA674D8-1B66-8D40-8299-80807884799C}"/>
-          </ac:picMkLst>
-        </pc:picChg>
-        <pc:picChg chg="del">
-          <ac:chgData name="hobart_work@hotmail.com" userId="7fa886ffcb1cbc9d" providerId="LiveId" clId="{4CE84D45-DAE6-9B48-A8B6-10500A565456}" dt="2019-08-16T09:39:18.469" v="829" actId="478"/>
-          <ac:picMkLst>
-            <pc:docMk/>
-            <pc:sldMk cId="3066769402" sldId="432"/>
-            <ac:picMk id="4" creationId="{A9199187-7A4F-EF47-A724-A0E1AA993199}"/>
-          </ac:picMkLst>
-        </pc:picChg>
-      </pc:sldChg>
-    </pc:docChg>
-  </pc:docChgLst>
-  <pc:docChgLst>
-    <pc:chgData name="郝 兵" userId="a8040b1967d7feee" providerId="LiveId" clId="{3C6AE33E-F73B-41BD-8408-07615402E856}"/>
-  </pc:docChgLst>
   <pc:docChgLst>
     <pc:chgData name="hobart_work@hotmail.com" userId="7fa886ffcb1cbc9d" providerId="LiveId" clId="{39910BBA-D85A-AE40-BFEB-49986E66C6F5}"/>
     <pc:docChg chg="undo custSel mod addSld delSld modSld">
@@ -992,6 +679,319 @@
       </pc:sldChg>
     </pc:docChg>
   </pc:docChgLst>
+  <pc:docChgLst>
+    <pc:chgData name="hobart_work@hotmail.com" userId="7fa886ffcb1cbc9d" providerId="LiveId" clId="{4CE84D45-DAE6-9B48-A8B6-10500A565456}"/>
+    <pc:docChg chg="undo custSel mod addSld delSld modSld">
+      <pc:chgData name="hobart_work@hotmail.com" userId="7fa886ffcb1cbc9d" providerId="LiveId" clId="{4CE84D45-DAE6-9B48-A8B6-10500A565456}" dt="2019-08-16T09:53:05.779" v="935"/>
+      <pc:docMkLst>
+        <pc:docMk/>
+      </pc:docMkLst>
+      <pc:sldChg chg="addSp delSp modSp delAnim">
+        <pc:chgData name="hobart_work@hotmail.com" userId="7fa886ffcb1cbc9d" providerId="LiveId" clId="{4CE84D45-DAE6-9B48-A8B6-10500A565456}" dt="2019-08-16T09:49:35.705" v="927" actId="1076"/>
+        <pc:sldMkLst>
+          <pc:docMk/>
+          <pc:sldMk cId="0" sldId="297"/>
+        </pc:sldMkLst>
+        <pc:spChg chg="add mod">
+          <ac:chgData name="hobart_work@hotmail.com" userId="7fa886ffcb1cbc9d" providerId="LiveId" clId="{4CE84D45-DAE6-9B48-A8B6-10500A565456}" dt="2019-08-16T09:49:35.705" v="927" actId="1076"/>
+          <ac:spMkLst>
+            <pc:docMk/>
+            <pc:sldMk cId="0" sldId="297"/>
+            <ac:spMk id="7" creationId="{700242B9-EF69-0440-9D2E-5CE9E6C96272}"/>
+          </ac:spMkLst>
+        </pc:spChg>
+        <pc:spChg chg="add mod">
+          <ac:chgData name="hobart_work@hotmail.com" userId="7fa886ffcb1cbc9d" providerId="LiveId" clId="{4CE84D45-DAE6-9B48-A8B6-10500A565456}" dt="2019-08-16T09:49:28.506" v="926" actId="1076"/>
+          <ac:spMkLst>
+            <pc:docMk/>
+            <pc:sldMk cId="0" sldId="297"/>
+            <ac:spMk id="34" creationId="{1B89FBBF-E24C-CC4B-AB96-E736A408CA9B}"/>
+          </ac:spMkLst>
+        </pc:spChg>
+        <pc:spChg chg="add mod">
+          <ac:chgData name="hobart_work@hotmail.com" userId="7fa886ffcb1cbc9d" providerId="LiveId" clId="{4CE84D45-DAE6-9B48-A8B6-10500A565456}" dt="2019-08-16T09:49:28.506" v="926" actId="1076"/>
+          <ac:spMkLst>
+            <pc:docMk/>
+            <pc:sldMk cId="0" sldId="297"/>
+            <ac:spMk id="36" creationId="{0CCF53D0-30AB-0E4B-AB08-46375DF352ED}"/>
+          </ac:spMkLst>
+        </pc:spChg>
+        <pc:spChg chg="add mod">
+          <ac:chgData name="hobart_work@hotmail.com" userId="7fa886ffcb1cbc9d" providerId="LiveId" clId="{4CE84D45-DAE6-9B48-A8B6-10500A565456}" dt="2019-08-16T09:49:35.705" v="927" actId="1076"/>
+          <ac:spMkLst>
+            <pc:docMk/>
+            <pc:sldMk cId="0" sldId="297"/>
+            <ac:spMk id="37" creationId="{66981774-236E-2C4B-B8A5-0056B3E28E49}"/>
+          </ac:spMkLst>
+        </pc:spChg>
+        <pc:spChg chg="mod">
+          <ac:chgData name="hobart_work@hotmail.com" userId="7fa886ffcb1cbc9d" providerId="LiveId" clId="{4CE84D45-DAE6-9B48-A8B6-10500A565456}" dt="2019-08-16T09:49:28.506" v="926" actId="1076"/>
+          <ac:spMkLst>
+            <pc:docMk/>
+            <pc:sldMk cId="0" sldId="297"/>
+            <ac:spMk id="43" creationId="{00000000-0000-0000-0000-000000000000}"/>
+          </ac:spMkLst>
+        </pc:spChg>
+        <pc:spChg chg="del">
+          <ac:chgData name="hobart_work@hotmail.com" userId="7fa886ffcb1cbc9d" providerId="LiveId" clId="{4CE84D45-DAE6-9B48-A8B6-10500A565456}" dt="2019-08-14T02:59:15.307" v="8" actId="478"/>
+          <ac:spMkLst>
+            <pc:docMk/>
+            <pc:sldMk cId="0" sldId="297"/>
+            <ac:spMk id="50" creationId="{00000000-0000-0000-0000-000000000000}"/>
+          </ac:spMkLst>
+        </pc:spChg>
+        <pc:spChg chg="del">
+          <ac:chgData name="hobart_work@hotmail.com" userId="7fa886ffcb1cbc9d" providerId="LiveId" clId="{4CE84D45-DAE6-9B48-A8B6-10500A565456}" dt="2019-08-14T02:59:07.591" v="5" actId="478"/>
+          <ac:spMkLst>
+            <pc:docMk/>
+            <pc:sldMk cId="0" sldId="297"/>
+            <ac:spMk id="60" creationId="{00000000-0000-0000-0000-000000000000}"/>
+          </ac:spMkLst>
+        </pc:spChg>
+        <pc:spChg chg="del">
+          <ac:chgData name="hobart_work@hotmail.com" userId="7fa886ffcb1cbc9d" providerId="LiveId" clId="{4CE84D45-DAE6-9B48-A8B6-10500A565456}" dt="2019-08-14T02:59:07.591" v="5" actId="478"/>
+          <ac:spMkLst>
+            <pc:docMk/>
+            <pc:sldMk cId="0" sldId="297"/>
+            <ac:spMk id="67" creationId="{00000000-0000-0000-0000-000000000000}"/>
+          </ac:spMkLst>
+        </pc:spChg>
+        <pc:spChg chg="del mod">
+          <ac:chgData name="hobart_work@hotmail.com" userId="7fa886ffcb1cbc9d" providerId="LiveId" clId="{4CE84D45-DAE6-9B48-A8B6-10500A565456}" dt="2019-08-14T02:59:15.307" v="8" actId="478"/>
+          <ac:spMkLst>
+            <pc:docMk/>
+            <pc:sldMk cId="0" sldId="297"/>
+            <ac:spMk id="78" creationId="{00000000-0000-0000-0000-000000000000}"/>
+          </ac:spMkLst>
+        </pc:spChg>
+        <pc:spChg chg="del">
+          <ac:chgData name="hobart_work@hotmail.com" userId="7fa886ffcb1cbc9d" providerId="LiveId" clId="{4CE84D45-DAE6-9B48-A8B6-10500A565456}" dt="2019-08-14T02:59:07.591" v="5" actId="478"/>
+          <ac:spMkLst>
+            <pc:docMk/>
+            <pc:sldMk cId="0" sldId="297"/>
+            <ac:spMk id="79" creationId="{00000000-0000-0000-0000-000000000000}"/>
+          </ac:spMkLst>
+        </pc:spChg>
+        <pc:spChg chg="del">
+          <ac:chgData name="hobart_work@hotmail.com" userId="7fa886ffcb1cbc9d" providerId="LiveId" clId="{4CE84D45-DAE6-9B48-A8B6-10500A565456}" dt="2019-08-14T02:59:07.591" v="5" actId="478"/>
+          <ac:spMkLst>
+            <pc:docMk/>
+            <pc:sldMk cId="0" sldId="297"/>
+            <ac:spMk id="92" creationId="{00000000-0000-0000-0000-000000000000}"/>
+          </ac:spMkLst>
+        </pc:spChg>
+        <pc:spChg chg="del">
+          <ac:chgData name="hobart_work@hotmail.com" userId="7fa886ffcb1cbc9d" providerId="LiveId" clId="{4CE84D45-DAE6-9B48-A8B6-10500A565456}" dt="2019-08-14T02:59:07.591" v="5" actId="478"/>
+          <ac:spMkLst>
+            <pc:docMk/>
+            <pc:sldMk cId="0" sldId="297"/>
+            <ac:spMk id="93" creationId="{00000000-0000-0000-0000-000000000000}"/>
+          </ac:spMkLst>
+        </pc:spChg>
+        <pc:spChg chg="del">
+          <ac:chgData name="hobart_work@hotmail.com" userId="7fa886ffcb1cbc9d" providerId="LiveId" clId="{4CE84D45-DAE6-9B48-A8B6-10500A565456}" dt="2019-08-14T02:59:07.591" v="5" actId="478"/>
+          <ac:spMkLst>
+            <pc:docMk/>
+            <pc:sldMk cId="0" sldId="297"/>
+            <ac:spMk id="99" creationId="{00000000-0000-0000-0000-000000000000}"/>
+          </ac:spMkLst>
+        </pc:spChg>
+        <pc:spChg chg="del">
+          <ac:chgData name="hobart_work@hotmail.com" userId="7fa886ffcb1cbc9d" providerId="LiveId" clId="{4CE84D45-DAE6-9B48-A8B6-10500A565456}" dt="2019-08-14T02:59:07.591" v="5" actId="478"/>
+          <ac:spMkLst>
+            <pc:docMk/>
+            <pc:sldMk cId="0" sldId="297"/>
+            <ac:spMk id="100" creationId="{00000000-0000-0000-0000-000000000000}"/>
+          </ac:spMkLst>
+        </pc:spChg>
+        <pc:grpChg chg="del">
+          <ac:chgData name="hobart_work@hotmail.com" userId="7fa886ffcb1cbc9d" providerId="LiveId" clId="{4CE84D45-DAE6-9B48-A8B6-10500A565456}" dt="2019-08-14T02:59:07.591" v="5" actId="478"/>
+          <ac:grpSpMkLst>
+            <pc:docMk/>
+            <pc:sldMk cId="0" sldId="297"/>
+            <ac:grpSpMk id="51" creationId="{00000000-0000-0000-0000-000000000000}"/>
+          </ac:grpSpMkLst>
+        </pc:grpChg>
+        <pc:grpChg chg="del">
+          <ac:chgData name="hobart_work@hotmail.com" userId="7fa886ffcb1cbc9d" providerId="LiveId" clId="{4CE84D45-DAE6-9B48-A8B6-10500A565456}" dt="2019-08-14T02:59:07.591" v="5" actId="478"/>
+          <ac:grpSpMkLst>
+            <pc:docMk/>
+            <pc:sldMk cId="0" sldId="297"/>
+            <ac:grpSpMk id="57" creationId="{00000000-0000-0000-0000-000000000000}"/>
+          </ac:grpSpMkLst>
+        </pc:grpChg>
+        <pc:grpChg chg="del">
+          <ac:chgData name="hobart_work@hotmail.com" userId="7fa886ffcb1cbc9d" providerId="LiveId" clId="{4CE84D45-DAE6-9B48-A8B6-10500A565456}" dt="2019-08-14T02:59:07.591" v="5" actId="478"/>
+          <ac:grpSpMkLst>
+            <pc:docMk/>
+            <pc:sldMk cId="0" sldId="297"/>
+            <ac:grpSpMk id="75" creationId="{00000000-0000-0000-0000-000000000000}"/>
+          </ac:grpSpMkLst>
+        </pc:grpChg>
+        <pc:grpChg chg="del">
+          <ac:chgData name="hobart_work@hotmail.com" userId="7fa886ffcb1cbc9d" providerId="LiveId" clId="{4CE84D45-DAE6-9B48-A8B6-10500A565456}" dt="2019-08-14T02:59:07.591" v="5" actId="478"/>
+          <ac:grpSpMkLst>
+            <pc:docMk/>
+            <pc:sldMk cId="0" sldId="297"/>
+            <ac:grpSpMk id="83" creationId="{00000000-0000-0000-0000-000000000000}"/>
+          </ac:grpSpMkLst>
+        </pc:grpChg>
+        <pc:grpChg chg="del">
+          <ac:chgData name="hobart_work@hotmail.com" userId="7fa886ffcb1cbc9d" providerId="LiveId" clId="{4CE84D45-DAE6-9B48-A8B6-10500A565456}" dt="2019-08-14T02:59:07.591" v="5" actId="478"/>
+          <ac:grpSpMkLst>
+            <pc:docMk/>
+            <pc:sldMk cId="0" sldId="297"/>
+            <ac:grpSpMk id="86" creationId="{00000000-0000-0000-0000-000000000000}"/>
+          </ac:grpSpMkLst>
+        </pc:grpChg>
+        <pc:grpChg chg="del">
+          <ac:chgData name="hobart_work@hotmail.com" userId="7fa886ffcb1cbc9d" providerId="LiveId" clId="{4CE84D45-DAE6-9B48-A8B6-10500A565456}" dt="2019-08-14T02:59:07.591" v="5" actId="478"/>
+          <ac:grpSpMkLst>
+            <pc:docMk/>
+            <pc:sldMk cId="0" sldId="297"/>
+            <ac:grpSpMk id="89" creationId="{00000000-0000-0000-0000-000000000000}"/>
+          </ac:grpSpMkLst>
+        </pc:grpChg>
+        <pc:grpChg chg="del">
+          <ac:chgData name="hobart_work@hotmail.com" userId="7fa886ffcb1cbc9d" providerId="LiveId" clId="{4CE84D45-DAE6-9B48-A8B6-10500A565456}" dt="2019-08-14T02:59:07.591" v="5" actId="478"/>
+          <ac:grpSpMkLst>
+            <pc:docMk/>
+            <pc:sldMk cId="0" sldId="297"/>
+            <ac:grpSpMk id="95" creationId="{00000000-0000-0000-0000-000000000000}"/>
+          </ac:grpSpMkLst>
+        </pc:grpChg>
+        <pc:cxnChg chg="add mod">
+          <ac:chgData name="hobart_work@hotmail.com" userId="7fa886ffcb1cbc9d" providerId="LiveId" clId="{4CE84D45-DAE6-9B48-A8B6-10500A565456}" dt="2019-08-16T09:49:28.506" v="926" actId="1076"/>
+          <ac:cxnSpMkLst>
+            <pc:docMk/>
+            <pc:sldMk cId="0" sldId="297"/>
+            <ac:cxnSpMk id="35" creationId="{F44FD703-BC1F-7A4C-9925-0C023C831AD2}"/>
+          </ac:cxnSpMkLst>
+        </pc:cxnChg>
+        <pc:cxnChg chg="del mod">
+          <ac:chgData name="hobart_work@hotmail.com" userId="7fa886ffcb1cbc9d" providerId="LiveId" clId="{4CE84D45-DAE6-9B48-A8B6-10500A565456}" dt="2019-08-14T02:59:50.163" v="11" actId="478"/>
+          <ac:cxnSpMkLst>
+            <pc:docMk/>
+            <pc:sldMk cId="0" sldId="297"/>
+            <ac:cxnSpMk id="61" creationId="{00000000-0000-0000-0000-000000000000}"/>
+          </ac:cxnSpMkLst>
+        </pc:cxnChg>
+      </pc:sldChg>
+      <pc:sldChg chg="addSp delSp modSp delAnim">
+        <pc:chgData name="hobart_work@hotmail.com" userId="7fa886ffcb1cbc9d" providerId="LiveId" clId="{4CE84D45-DAE6-9B48-A8B6-10500A565456}" dt="2019-08-14T03:28:27.963" v="583" actId="1076"/>
+        <pc:sldMkLst>
+          <pc:docMk/>
+          <pc:sldMk cId="0" sldId="425"/>
+        </pc:sldMkLst>
+        <pc:spChg chg="add mod">
+          <ac:chgData name="hobart_work@hotmail.com" userId="7fa886ffcb1cbc9d" providerId="LiveId" clId="{4CE84D45-DAE6-9B48-A8B6-10500A565456}" dt="2019-08-14T03:28:27.963" v="583" actId="1076"/>
+          <ac:spMkLst>
+            <pc:docMk/>
+            <pc:sldMk cId="0" sldId="425"/>
+            <ac:spMk id="2" creationId="{FFDB8C6D-06DC-6A49-89EE-C746E9694A9B}"/>
+          </ac:spMkLst>
+        </pc:spChg>
+        <pc:spChg chg="add mod">
+          <ac:chgData name="hobart_work@hotmail.com" userId="7fa886ffcb1cbc9d" providerId="LiveId" clId="{4CE84D45-DAE6-9B48-A8B6-10500A565456}" dt="2019-08-14T03:28:27.963" v="583" actId="1076"/>
+          <ac:spMkLst>
+            <pc:docMk/>
+            <pc:sldMk cId="0" sldId="425"/>
+            <ac:spMk id="3" creationId="{BDB06619-0904-4944-9F76-47249817F8CB}"/>
+          </ac:spMkLst>
+        </pc:spChg>
+        <pc:spChg chg="add del mod">
+          <ac:chgData name="hobart_work@hotmail.com" userId="7fa886ffcb1cbc9d" providerId="LiveId" clId="{4CE84D45-DAE6-9B48-A8B6-10500A565456}" dt="2019-08-14T03:12:05.485" v="145" actId="11529"/>
+          <ac:spMkLst>
+            <pc:docMk/>
+            <pc:sldMk cId="0" sldId="425"/>
+            <ac:spMk id="4" creationId="{F42057FF-C5CE-484C-90B1-C262C3EB615B}"/>
+          </ac:spMkLst>
+        </pc:spChg>
+        <pc:spChg chg="add mod">
+          <ac:chgData name="hobart_work@hotmail.com" userId="7fa886ffcb1cbc9d" providerId="LiveId" clId="{4CE84D45-DAE6-9B48-A8B6-10500A565456}" dt="2019-08-14T03:28:27.963" v="583" actId="1076"/>
+          <ac:spMkLst>
+            <pc:docMk/>
+            <pc:sldMk cId="0" sldId="425"/>
+            <ac:spMk id="5" creationId="{10CEEDCD-8E1B-B84C-AB02-F13A153A8F67}"/>
+          </ac:spMkLst>
+        </pc:spChg>
+        <pc:spChg chg="del">
+          <ac:chgData name="hobart_work@hotmail.com" userId="7fa886ffcb1cbc9d" providerId="LiveId" clId="{4CE84D45-DAE6-9B48-A8B6-10500A565456}" dt="2019-08-14T03:03:48.727" v="104" actId="478"/>
+          <ac:spMkLst>
+            <pc:docMk/>
+            <pc:sldMk cId="0" sldId="425"/>
+            <ac:spMk id="94" creationId="{00000000-0000-0000-0000-000000000000}"/>
+          </ac:spMkLst>
+        </pc:spChg>
+        <pc:grpChg chg="del mod">
+          <ac:chgData name="hobart_work@hotmail.com" userId="7fa886ffcb1cbc9d" providerId="LiveId" clId="{4CE84D45-DAE6-9B48-A8B6-10500A565456}" dt="2019-08-14T03:03:48.727" v="104" actId="478"/>
+          <ac:grpSpMkLst>
+            <pc:docMk/>
+            <pc:sldMk cId="0" sldId="425"/>
+            <ac:grpSpMk id="6" creationId="{00000000-0000-0000-0000-000000000000}"/>
+          </ac:grpSpMkLst>
+        </pc:grpChg>
+        <pc:cxnChg chg="del">
+          <ac:chgData name="hobart_work@hotmail.com" userId="7fa886ffcb1cbc9d" providerId="LiveId" clId="{4CE84D45-DAE6-9B48-A8B6-10500A565456}" dt="2019-08-14T03:03:48.727" v="104" actId="478"/>
+          <ac:cxnSpMkLst>
+            <pc:docMk/>
+            <pc:sldMk cId="0" sldId="425"/>
+            <ac:cxnSpMk id="38" creationId="{00000000-0000-0000-0000-000000000000}"/>
+          </ac:cxnSpMkLst>
+        </pc:cxnChg>
+      </pc:sldChg>
+      <pc:sldChg chg="addSp delSp modSp add">
+        <pc:chgData name="hobart_work@hotmail.com" userId="7fa886ffcb1cbc9d" providerId="LiveId" clId="{4CE84D45-DAE6-9B48-A8B6-10500A565456}" dt="2019-08-16T09:53:05.779" v="935"/>
+        <pc:sldMkLst>
+          <pc:docMk/>
+          <pc:sldMk cId="3066769402" sldId="432"/>
+        </pc:sldMkLst>
+        <pc:spChg chg="add mod">
+          <ac:chgData name="hobart_work@hotmail.com" userId="7fa886ffcb1cbc9d" providerId="LiveId" clId="{4CE84D45-DAE6-9B48-A8B6-10500A565456}" dt="2019-08-16T09:45:48.412" v="833" actId="1076"/>
+          <ac:spMkLst>
+            <pc:docMk/>
+            <pc:sldMk cId="3066769402" sldId="432"/>
+            <ac:spMk id="5" creationId="{DCD34761-01D4-3746-8938-1D2D0ECED575}"/>
+          </ac:spMkLst>
+        </pc:spChg>
+        <pc:spChg chg="add mod">
+          <ac:chgData name="hobart_work@hotmail.com" userId="7fa886ffcb1cbc9d" providerId="LiveId" clId="{4CE84D45-DAE6-9B48-A8B6-10500A565456}" dt="2019-08-16T09:47:33.294" v="866" actId="1076"/>
+          <ac:spMkLst>
+            <pc:docMk/>
+            <pc:sldMk cId="3066769402" sldId="432"/>
+            <ac:spMk id="6" creationId="{DCF68AB3-1CCC-7D42-B8FB-6AB5CFE33C5A}"/>
+          </ac:spMkLst>
+        </pc:spChg>
+        <pc:picChg chg="add del mod">
+          <ac:chgData name="hobart_work@hotmail.com" userId="7fa886ffcb1cbc9d" providerId="LiveId" clId="{4CE84D45-DAE6-9B48-A8B6-10500A565456}" dt="2019-08-16T09:53:05.779" v="935"/>
+          <ac:picMkLst>
+            <pc:docMk/>
+            <pc:sldMk cId="3066769402" sldId="432"/>
+            <ac:picMk id="2" creationId="{F25300B4-3CB5-074D-B7B8-53D562DAC50C}"/>
+          </ac:picMkLst>
+        </pc:picChg>
+        <pc:picChg chg="del">
+          <ac:chgData name="hobart_work@hotmail.com" userId="7fa886ffcb1cbc9d" providerId="LiveId" clId="{4CE84D45-DAE6-9B48-A8B6-10500A565456}" dt="2019-08-16T09:39:18.469" v="829" actId="478"/>
+          <ac:picMkLst>
+            <pc:docMk/>
+            <pc:sldMk cId="3066769402" sldId="432"/>
+            <ac:picMk id="3" creationId="{9AA674D8-1B66-8D40-8299-80807884799C}"/>
+          </ac:picMkLst>
+        </pc:picChg>
+        <pc:picChg chg="del">
+          <ac:chgData name="hobart_work@hotmail.com" userId="7fa886ffcb1cbc9d" providerId="LiveId" clId="{4CE84D45-DAE6-9B48-A8B6-10500A565456}" dt="2019-08-16T09:39:18.469" v="829" actId="478"/>
+          <ac:picMkLst>
+            <pc:docMk/>
+            <pc:sldMk cId="3066769402" sldId="432"/>
+            <ac:picMk id="4" creationId="{A9199187-7A4F-EF47-A724-A0E1AA993199}"/>
+          </ac:picMkLst>
+        </pc:picChg>
+      </pc:sldChg>
+    </pc:docChg>
+  </pc:docChgLst>
+  <pc:docChgLst>
+    <pc:chgData name="郝 兵" userId="a8040b1967d7feee" providerId="LiveId" clId="{3C6AE33E-F73B-41BD-8408-07615402E856}"/>
+  </pc:docChgLst>
 </pc:chgInfo>
 </file>
 
@@ -1077,7 +1077,7 @@
           <a:p>
             <a:fld id="{0F9B84EA-7D68-4D60-9CB1-D50884785D1C}" type="datetimeFigureOut">
               <a:rPr lang="zh-CN" altLang="en-US" smtClean="0"/>
-              <a:t>2019/8/28</a:t>
+              <a:t>2019/8/29</a:t>
             </a:fld>
             <a:endParaRPr lang="zh-CN" altLang="en-US"/>
           </a:p>
@@ -1237,7 +1237,7 @@
           <a:p>
             <a:fld id="{9936A364-F56D-418B-92EA-B8A9C286C719}" type="datetimeFigureOut">
               <a:rPr lang="zh-CN" altLang="en-US" smtClean="0"/>
-              <a:t>2019/8/28</a:t>
+              <a:t>2019/8/29</a:t>
             </a:fld>
             <a:endParaRPr lang="zh-CN" altLang="en-US"/>
           </a:p>
@@ -2783,7 +2783,7 @@
           <a:p>
             <a:fld id="{824AF190-E6C3-4F71-9AD4-820770AEF1A8}" type="datetimeFigureOut">
               <a:rPr lang="zh-CN" altLang="en-US" smtClean="0"/>
-              <a:t>2019/8/28</a:t>
+              <a:t>2019/8/29</a:t>
             </a:fld>
             <a:endParaRPr lang="zh-CN" altLang="en-US"/>
           </a:p>
@@ -2947,7 +2947,7 @@
           <a:p>
             <a:fld id="{824AF190-E6C3-4F71-9AD4-820770AEF1A8}" type="datetimeFigureOut">
               <a:rPr lang="zh-CN" altLang="en-US" smtClean="0"/>
-              <a:t>2019/8/28</a:t>
+              <a:t>2019/8/29</a:t>
             </a:fld>
             <a:endParaRPr lang="zh-CN" altLang="en-US"/>
           </a:p>
@@ -3167,7 +3167,7 @@
           <a:p>
             <a:fld id="{824AF190-E6C3-4F71-9AD4-820770AEF1A8}" type="datetimeFigureOut">
               <a:rPr lang="zh-CN" altLang="en-US" smtClean="0"/>
-              <a:t>2019/8/28</a:t>
+              <a:t>2019/8/29</a:t>
             </a:fld>
             <a:endParaRPr lang="zh-CN" altLang="en-US"/>
           </a:p>
@@ -11186,7 +11186,7 @@
         <p:spPr>
           <a:xfrm>
             <a:off x="1088136" y="2110085"/>
-            <a:ext cx="5618589" cy="1200329"/>
+            <a:ext cx="5870261" cy="1200329"/>
           </a:xfrm>
           <a:prstGeom prst="rect">
             <a:avLst/>
@@ -11321,7 +11321,15 @@
             </a:r>
             <a:r>
               <a:rPr lang="en" altLang="zh-CN" dirty="0"/>
-              <a:t> = pytorch_tensor_1.cpu.numpy(). </a:t>
+              <a:t> = pytorch_tensor_</a:t>
+            </a:r>
+            <a:r>
+              <a:rPr lang="en" altLang="zh-CN"/>
+              <a:t>1.cuda().</a:t>
+            </a:r>
+            <a:r>
+              <a:rPr lang="en" altLang="zh-CN" dirty="0"/>
+              <a:t>numpy(). </a:t>
             </a:r>
             <a:r>
               <a:rPr lang="en" altLang="zh-CN" dirty="0">
